--- a/lessons/An Introduction to probability distributions.pptx
+++ b/lessons/An Introduction to probability distributions.pptx
@@ -292,7 +292,7 @@
           <a:p>
             <a:fld id="{14178DB6-65FC-4F28-84C6-47493D980159}" type="datetimeFigureOut">
               <a:rPr lang="en-US" smtClean="0"/>
-              <a:t>6/16/2020</a:t>
+              <a:t>7/2/2020</a:t>
             </a:fld>
             <a:endParaRPr lang="en-US"/>
           </a:p>
@@ -490,7 +490,7 @@
           <a:p>
             <a:fld id="{14178DB6-65FC-4F28-84C6-47493D980159}" type="datetimeFigureOut">
               <a:rPr lang="en-US" smtClean="0"/>
-              <a:t>6/16/2020</a:t>
+              <a:t>7/2/2020</a:t>
             </a:fld>
             <a:endParaRPr lang="en-US"/>
           </a:p>
@@ -698,7 +698,7 @@
           <a:p>
             <a:fld id="{14178DB6-65FC-4F28-84C6-47493D980159}" type="datetimeFigureOut">
               <a:rPr lang="en-US" smtClean="0"/>
-              <a:t>6/16/2020</a:t>
+              <a:t>7/2/2020</a:t>
             </a:fld>
             <a:endParaRPr lang="en-US"/>
           </a:p>
@@ -896,7 +896,7 @@
           <a:p>
             <a:fld id="{14178DB6-65FC-4F28-84C6-47493D980159}" type="datetimeFigureOut">
               <a:rPr lang="en-US" smtClean="0"/>
-              <a:t>6/16/2020</a:t>
+              <a:t>7/2/2020</a:t>
             </a:fld>
             <a:endParaRPr lang="en-US"/>
           </a:p>
@@ -1171,7 +1171,7 @@
           <a:p>
             <a:fld id="{14178DB6-65FC-4F28-84C6-47493D980159}" type="datetimeFigureOut">
               <a:rPr lang="en-US" smtClean="0"/>
-              <a:t>6/16/2020</a:t>
+              <a:t>7/2/2020</a:t>
             </a:fld>
             <a:endParaRPr lang="en-US"/>
           </a:p>
@@ -1436,7 +1436,7 @@
           <a:p>
             <a:fld id="{14178DB6-65FC-4F28-84C6-47493D980159}" type="datetimeFigureOut">
               <a:rPr lang="en-US" smtClean="0"/>
-              <a:t>6/16/2020</a:t>
+              <a:t>7/2/2020</a:t>
             </a:fld>
             <a:endParaRPr lang="en-US"/>
           </a:p>
@@ -1848,7 +1848,7 @@
           <a:p>
             <a:fld id="{14178DB6-65FC-4F28-84C6-47493D980159}" type="datetimeFigureOut">
               <a:rPr lang="en-US" smtClean="0"/>
-              <a:t>6/16/2020</a:t>
+              <a:t>7/2/2020</a:t>
             </a:fld>
             <a:endParaRPr lang="en-US"/>
           </a:p>
@@ -1989,7 +1989,7 @@
           <a:p>
             <a:fld id="{14178DB6-65FC-4F28-84C6-47493D980159}" type="datetimeFigureOut">
               <a:rPr lang="en-US" smtClean="0"/>
-              <a:t>6/16/2020</a:t>
+              <a:t>7/2/2020</a:t>
             </a:fld>
             <a:endParaRPr lang="en-US"/>
           </a:p>
@@ -2102,7 +2102,7 @@
           <a:p>
             <a:fld id="{14178DB6-65FC-4F28-84C6-47493D980159}" type="datetimeFigureOut">
               <a:rPr lang="en-US" smtClean="0"/>
-              <a:t>6/16/2020</a:t>
+              <a:t>7/2/2020</a:t>
             </a:fld>
             <a:endParaRPr lang="en-US"/>
           </a:p>
@@ -2413,7 +2413,7 @@
           <a:p>
             <a:fld id="{14178DB6-65FC-4F28-84C6-47493D980159}" type="datetimeFigureOut">
               <a:rPr lang="en-US" smtClean="0"/>
-              <a:t>6/16/2020</a:t>
+              <a:t>7/2/2020</a:t>
             </a:fld>
             <a:endParaRPr lang="en-US"/>
           </a:p>
@@ -2701,7 +2701,7 @@
           <a:p>
             <a:fld id="{14178DB6-65FC-4F28-84C6-47493D980159}" type="datetimeFigureOut">
               <a:rPr lang="en-US" smtClean="0"/>
-              <a:t>6/16/2020</a:t>
+              <a:t>7/2/2020</a:t>
             </a:fld>
             <a:endParaRPr lang="en-US"/>
           </a:p>
@@ -2942,7 +2942,7 @@
           <a:p>
             <a:fld id="{14178DB6-65FC-4F28-84C6-47493D980159}" type="datetimeFigureOut">
               <a:rPr lang="en-US" smtClean="0"/>
-              <a:t>6/16/2020</a:t>
+              <a:t>7/2/2020</a:t>
             </a:fld>
             <a:endParaRPr lang="en-US"/>
           </a:p>
@@ -4161,7 +4161,9 @@
         </p:nvSpPr>
         <p:spPr/>
         <p:txBody>
-          <a:bodyPr/>
+          <a:bodyPr>
+            <a:normAutofit/>
+          </a:bodyPr>
           <a:lstStyle/>
           <a:p>
             <a:r>
@@ -4200,29 +4202,21 @@
           <a:p>
             <a:r>
               <a:rPr lang="en-US" dirty="0"/>
-              <a:t>But also the binomial distribution</a:t>
-            </a:r>
-          </a:p>
-          <a:p>
-            <a:r>
-              <a:rPr lang="en-US" dirty="0"/>
-              <a:t>Let’s go </a:t>
-            </a:r>
-            <a:r>
-              <a:rPr lang="en-US" dirty="0" err="1"/>
-              <a:t>ove</a:t>
-            </a:r>
-            <a:r>
-              <a:rPr lang="en-US" dirty="0"/>
-              <a:t> </a:t>
-            </a:r>
-            <a:r>
-              <a:rPr lang="en-US" dirty="0" err="1"/>
-              <a:t>rtalk</a:t>
-            </a:r>
-            <a:r>
-              <a:rPr lang="en-US" dirty="0"/>
-              <a:t> about why!</a:t>
+              <a:t>Non-count data distributions</a:t>
+            </a:r>
+          </a:p>
+          <a:p>
+            <a:pPr lvl="1"/>
+            <a:r>
+              <a:rPr lang="en-US" dirty="0"/>
+              <a:t>Gaussian</a:t>
+            </a:r>
+          </a:p>
+          <a:p>
+            <a:pPr lvl="1"/>
+            <a:r>
+              <a:rPr lang="en-US" dirty="0"/>
+              <a:t>Binomial</a:t>
             </a:r>
           </a:p>
         </p:txBody>
@@ -4356,8 +4350,8 @@
           </a:p>
         </p:txBody>
       </p:sp>
-      <mc:AlternateContent xmlns:mc="http://schemas.openxmlformats.org/markup-compatibility/2006">
-        <mc:Choice xmlns:a14="http://schemas.microsoft.com/office/drawing/2010/main" Requires="a14">
+      <mc:AlternateContent xmlns:mc="http://schemas.openxmlformats.org/markup-compatibility/2006" xmlns:a14="http://schemas.microsoft.com/office/drawing/2010/main">
+        <mc:Choice Requires="a14">
           <p:sp>
             <p:nvSpPr>
               <p:cNvPr id="6" name="TextBox 5">
@@ -4513,7 +4507,7 @@
             </p:txBody>
           </p:sp>
         </mc:Choice>
-        <mc:Fallback>
+        <mc:Fallback xmlns="">
           <p:sp>
             <p:nvSpPr>
               <p:cNvPr id="6" name="TextBox 5">
@@ -5118,8 +5112,8 @@
           </a:prstGeom>
         </p:spPr>
       </p:pic>
-      <mc:AlternateContent xmlns:mc="http://schemas.openxmlformats.org/markup-compatibility/2006">
-        <mc:Choice xmlns:a14="http://schemas.microsoft.com/office/drawing/2010/main" Requires="a14">
+      <mc:AlternateContent xmlns:mc="http://schemas.openxmlformats.org/markup-compatibility/2006" xmlns:a14="http://schemas.microsoft.com/office/drawing/2010/main">
+        <mc:Choice Requires="a14">
           <p:sp>
             <p:nvSpPr>
               <p:cNvPr id="7" name="TextBox 6">
@@ -5327,7 +5321,7 @@
             </p:txBody>
           </p:sp>
         </mc:Choice>
-        <mc:Fallback>
+        <mc:Fallback xmlns="">
           <p:sp>
             <p:nvSpPr>
               <p:cNvPr id="7" name="TextBox 6">
@@ -7225,8 +7219,8 @@
           </a:p>
         </p:txBody>
       </p:sp>
-      <mc:AlternateContent xmlns:mc="http://schemas.openxmlformats.org/markup-compatibility/2006">
-        <mc:Choice xmlns:a14="http://schemas.microsoft.com/office/drawing/2010/main" Requires="a14">
+      <mc:AlternateContent xmlns:mc="http://schemas.openxmlformats.org/markup-compatibility/2006" xmlns:a14="http://schemas.microsoft.com/office/drawing/2010/main">
+        <mc:Choice Requires="a14">
           <p:sp>
             <p:nvSpPr>
               <p:cNvPr id="5" name="TextBox 4">
@@ -7255,6 +7249,7 @@
               </a:bodyPr>
               <a:lstStyle/>
               <a:p>
+                <a:pPr/>
                 <a14:m>
                   <m:oMathPara xmlns:m="http://schemas.openxmlformats.org/officeDocument/2006/math">
                     <m:oMathParaPr>
@@ -7324,7 +7319,7 @@
                           <m:nor/>
                         </m:rPr>
                         <a:rPr lang="en-US" sz="2400" dirty="0"/>
-                        <m:t> + (1- </m:t>
+                        <m:t> + (1− </m:t>
                       </m:r>
                       <m:r>
                         <m:rPr>
@@ -7382,7 +7377,7 @@
             </p:txBody>
           </p:sp>
         </mc:Choice>
-        <mc:Fallback>
+        <mc:Fallback xmlns="">
           <p:sp>
             <p:nvSpPr>
               <p:cNvPr id="5" name="TextBox 4">
@@ -7427,8 +7422,8 @@
           </p:sp>
         </mc:Fallback>
       </mc:AlternateContent>
-      <mc:AlternateContent xmlns:mc="http://schemas.openxmlformats.org/markup-compatibility/2006">
-        <mc:Choice xmlns:a14="http://schemas.microsoft.com/office/drawing/2010/main" Requires="a14">
+      <mc:AlternateContent xmlns:mc="http://schemas.openxmlformats.org/markup-compatibility/2006" xmlns:a14="http://schemas.microsoft.com/office/drawing/2010/main">
+        <mc:Choice Requires="a14">
           <p:sp>
             <p:nvSpPr>
               <p:cNvPr id="7" name="TextBox 6">
@@ -7521,7 +7516,7 @@
                         <m:nor/>
                       </m:rPr>
                       <a:rPr lang="en-US" sz="2400" dirty="0"/>
-                      <m:t>(1- </m:t>
+                      <m:t>(1− </m:t>
                     </m:r>
                     <m:r>
                       <m:rPr>
@@ -7637,7 +7632,7 @@
             </p:txBody>
           </p:sp>
         </mc:Choice>
-        <mc:Fallback>
+        <mc:Fallback xmlns="">
           <p:sp>
             <p:nvSpPr>
               <p:cNvPr id="7" name="TextBox 6">
@@ -7682,8 +7677,8 @@
           </p:sp>
         </mc:Fallback>
       </mc:AlternateContent>
-      <mc:AlternateContent xmlns:mc="http://schemas.openxmlformats.org/markup-compatibility/2006">
-        <mc:Choice xmlns:a14="http://schemas.microsoft.com/office/drawing/2010/main" Requires="a14">
+      <mc:AlternateContent xmlns:mc="http://schemas.openxmlformats.org/markup-compatibility/2006" xmlns:a14="http://schemas.microsoft.com/office/drawing/2010/main">
+        <mc:Choice Requires="a14">
           <p:sp>
             <p:nvSpPr>
               <p:cNvPr id="8" name="TextBox 7">
@@ -7712,6 +7707,7 @@
               </a:bodyPr>
               <a:lstStyle/>
               <a:p>
+                <a:pPr/>
                 <a14:m>
                   <m:oMathPara xmlns:m="http://schemas.openxmlformats.org/officeDocument/2006/math">
                     <m:oMathParaPr>
@@ -7738,7 +7734,7 @@
             </p:txBody>
           </p:sp>
         </mc:Choice>
-        <mc:Fallback>
+        <mc:Fallback xmlns="">
           <p:sp>
             <p:nvSpPr>
               <p:cNvPr id="8" name="TextBox 7">
@@ -8294,7 +8290,7 @@
             <a:pPr lvl="1"/>
             <a:r>
               <a:rPr lang="en-US" dirty="0"/>
-              <a:t>As ecologists we like the one that allows us to estimate the mean and variance</a:t>
+              <a:t>As ecologists we like the one that allows us to estimate the mean and variance (rather than the fail rate)</a:t>
             </a:r>
           </a:p>
           <a:p>
@@ -8307,6 +8303,13 @@
             <a:r>
               <a:rPr lang="en-US" dirty="0"/>
               <a:t>We won’t get into the details of the PMF today</a:t>
+            </a:r>
+          </a:p>
+          <a:p>
+            <a:pPr lvl="1"/>
+            <a:r>
+              <a:rPr lang="en-US" dirty="0"/>
+              <a:t>Look it up if you’re interested</a:t>
             </a:r>
           </a:p>
         </p:txBody>
@@ -8641,7 +8644,7 @@
             <a:pPr lvl="1"/>
             <a:r>
               <a:rPr lang="en-US" dirty="0"/>
-              <a:t>I.e., seabird data</a:t>
+              <a:t>i.e., seabird data</a:t>
             </a:r>
           </a:p>
         </p:txBody>

--- a/lessons/An Introduction to probability distributions.pptx
+++ b/lessons/An Introduction to probability distributions.pptx
@@ -292,7 +292,7 @@
           <a:p>
             <a:fld id="{14178DB6-65FC-4F28-84C6-47493D980159}" type="datetimeFigureOut">
               <a:rPr lang="en-US" smtClean="0"/>
-              <a:t>7/2/2020</a:t>
+              <a:t>8/5/2020</a:t>
             </a:fld>
             <a:endParaRPr lang="en-US"/>
           </a:p>
@@ -490,7 +490,7 @@
           <a:p>
             <a:fld id="{14178DB6-65FC-4F28-84C6-47493D980159}" type="datetimeFigureOut">
               <a:rPr lang="en-US" smtClean="0"/>
-              <a:t>7/2/2020</a:t>
+              <a:t>8/5/2020</a:t>
             </a:fld>
             <a:endParaRPr lang="en-US"/>
           </a:p>
@@ -698,7 +698,7 @@
           <a:p>
             <a:fld id="{14178DB6-65FC-4F28-84C6-47493D980159}" type="datetimeFigureOut">
               <a:rPr lang="en-US" smtClean="0"/>
-              <a:t>7/2/2020</a:t>
+              <a:t>8/5/2020</a:t>
             </a:fld>
             <a:endParaRPr lang="en-US"/>
           </a:p>
@@ -896,7 +896,7 @@
           <a:p>
             <a:fld id="{14178DB6-65FC-4F28-84C6-47493D980159}" type="datetimeFigureOut">
               <a:rPr lang="en-US" smtClean="0"/>
-              <a:t>7/2/2020</a:t>
+              <a:t>8/5/2020</a:t>
             </a:fld>
             <a:endParaRPr lang="en-US"/>
           </a:p>
@@ -1171,7 +1171,7 @@
           <a:p>
             <a:fld id="{14178DB6-65FC-4F28-84C6-47493D980159}" type="datetimeFigureOut">
               <a:rPr lang="en-US" smtClean="0"/>
-              <a:t>7/2/2020</a:t>
+              <a:t>8/5/2020</a:t>
             </a:fld>
             <a:endParaRPr lang="en-US"/>
           </a:p>
@@ -1436,7 +1436,7 @@
           <a:p>
             <a:fld id="{14178DB6-65FC-4F28-84C6-47493D980159}" type="datetimeFigureOut">
               <a:rPr lang="en-US" smtClean="0"/>
-              <a:t>7/2/2020</a:t>
+              <a:t>8/5/2020</a:t>
             </a:fld>
             <a:endParaRPr lang="en-US"/>
           </a:p>
@@ -1848,7 +1848,7 @@
           <a:p>
             <a:fld id="{14178DB6-65FC-4F28-84C6-47493D980159}" type="datetimeFigureOut">
               <a:rPr lang="en-US" smtClean="0"/>
-              <a:t>7/2/2020</a:t>
+              <a:t>8/5/2020</a:t>
             </a:fld>
             <a:endParaRPr lang="en-US"/>
           </a:p>
@@ -1989,7 +1989,7 @@
           <a:p>
             <a:fld id="{14178DB6-65FC-4F28-84C6-47493D980159}" type="datetimeFigureOut">
               <a:rPr lang="en-US" smtClean="0"/>
-              <a:t>7/2/2020</a:t>
+              <a:t>8/5/2020</a:t>
             </a:fld>
             <a:endParaRPr lang="en-US"/>
           </a:p>
@@ -2102,7 +2102,7 @@
           <a:p>
             <a:fld id="{14178DB6-65FC-4F28-84C6-47493D980159}" type="datetimeFigureOut">
               <a:rPr lang="en-US" smtClean="0"/>
-              <a:t>7/2/2020</a:t>
+              <a:t>8/5/2020</a:t>
             </a:fld>
             <a:endParaRPr lang="en-US"/>
           </a:p>
@@ -2413,7 +2413,7 @@
           <a:p>
             <a:fld id="{14178DB6-65FC-4F28-84C6-47493D980159}" type="datetimeFigureOut">
               <a:rPr lang="en-US" smtClean="0"/>
-              <a:t>7/2/2020</a:t>
+              <a:t>8/5/2020</a:t>
             </a:fld>
             <a:endParaRPr lang="en-US"/>
           </a:p>
@@ -2701,7 +2701,7 @@
           <a:p>
             <a:fld id="{14178DB6-65FC-4F28-84C6-47493D980159}" type="datetimeFigureOut">
               <a:rPr lang="en-US" smtClean="0"/>
-              <a:t>7/2/2020</a:t>
+              <a:t>8/5/2020</a:t>
             </a:fld>
             <a:endParaRPr lang="en-US"/>
           </a:p>
@@ -2942,7 +2942,7 @@
           <a:p>
             <a:fld id="{14178DB6-65FC-4F28-84C6-47493D980159}" type="datetimeFigureOut">
               <a:rPr lang="en-US" smtClean="0"/>
-              <a:t>7/2/2020</a:t>
+              <a:t>8/5/2020</a:t>
             </a:fld>
             <a:endParaRPr lang="en-US"/>
           </a:p>
@@ -3699,61 +3699,6 @@
       </p:pic>
       <p:sp>
         <p:nvSpPr>
-          <p:cNvPr id="2" name="Title 1">
-            <a:extLst>
-              <a:ext uri="{FF2B5EF4-FFF2-40B4-BE49-F238E27FC236}">
-                <a16:creationId xmlns:a16="http://schemas.microsoft.com/office/drawing/2014/main" id="{5BB0A14B-90C4-4236-9DE1-26EFE0CBB9D1}"/>
-              </a:ext>
-            </a:extLst>
-          </p:cNvPr>
-          <p:cNvSpPr>
-            <a:spLocks noGrp="1"/>
-          </p:cNvSpPr>
-          <p:nvPr>
-            <p:ph type="title"/>
-          </p:nvPr>
-        </p:nvSpPr>
-        <p:spPr/>
-        <p:txBody>
-          <a:bodyPr/>
-          <a:lstStyle/>
-          <a:p>
-            <a:endParaRPr lang="en-US"/>
-          </a:p>
-        </p:txBody>
-      </p:sp>
-      <p:sp>
-        <p:nvSpPr>
-          <p:cNvPr id="3" name="Content Placeholder 2">
-            <a:extLst>
-              <a:ext uri="{FF2B5EF4-FFF2-40B4-BE49-F238E27FC236}">
-                <a16:creationId xmlns:a16="http://schemas.microsoft.com/office/drawing/2014/main" id="{A76E657C-8E3B-431D-8DC9-AFA78E927630}"/>
-              </a:ext>
-            </a:extLst>
-          </p:cNvPr>
-          <p:cNvSpPr>
-            <a:spLocks noGrp="1"/>
-          </p:cNvSpPr>
-          <p:nvPr>
-            <p:ph idx="1"/>
-          </p:nvPr>
-        </p:nvSpPr>
-        <p:spPr>
-          <a:xfrm>
-            <a:off x="893235" y="1866696"/>
-            <a:ext cx="10515600" cy="4351338"/>
-          </a:xfrm>
-        </p:spPr>
-        <p:txBody>
-          <a:bodyPr/>
-          <a:lstStyle/>
-          <a:p>
-            <a:endParaRPr lang="en-US" dirty="0"/>
-          </a:p>
-        </p:txBody>
-      </p:sp>
-      <p:sp>
-        <p:nvSpPr>
           <p:cNvPr id="5" name="TextBox 4">
             <a:extLst>
               <a:ext uri="{FF2B5EF4-FFF2-40B4-BE49-F238E27FC236}">
@@ -3851,56 +3796,6 @@
       </p:pic>
       <p:sp>
         <p:nvSpPr>
-          <p:cNvPr id="2" name="Title 1">
-            <a:extLst>
-              <a:ext uri="{FF2B5EF4-FFF2-40B4-BE49-F238E27FC236}">
-                <a16:creationId xmlns:a16="http://schemas.microsoft.com/office/drawing/2014/main" id="{5BB0A14B-90C4-4236-9DE1-26EFE0CBB9D1}"/>
-              </a:ext>
-            </a:extLst>
-          </p:cNvPr>
-          <p:cNvSpPr>
-            <a:spLocks noGrp="1"/>
-          </p:cNvSpPr>
-          <p:nvPr>
-            <p:ph type="title"/>
-          </p:nvPr>
-        </p:nvSpPr>
-        <p:spPr/>
-        <p:txBody>
-          <a:bodyPr/>
-          <a:lstStyle/>
-          <a:p>
-            <a:endParaRPr lang="en-US"/>
-          </a:p>
-        </p:txBody>
-      </p:sp>
-      <p:sp>
-        <p:nvSpPr>
-          <p:cNvPr id="3" name="Content Placeholder 2">
-            <a:extLst>
-              <a:ext uri="{FF2B5EF4-FFF2-40B4-BE49-F238E27FC236}">
-                <a16:creationId xmlns:a16="http://schemas.microsoft.com/office/drawing/2014/main" id="{A76E657C-8E3B-431D-8DC9-AFA78E927630}"/>
-              </a:ext>
-            </a:extLst>
-          </p:cNvPr>
-          <p:cNvSpPr>
-            <a:spLocks noGrp="1"/>
-          </p:cNvSpPr>
-          <p:nvPr>
-            <p:ph idx="1"/>
-          </p:nvPr>
-        </p:nvSpPr>
-        <p:spPr/>
-        <p:txBody>
-          <a:bodyPr/>
-          <a:lstStyle/>
-          <a:p>
-            <a:endParaRPr lang="en-US"/>
-          </a:p>
-        </p:txBody>
-      </p:sp>
-      <p:sp>
-        <p:nvSpPr>
           <p:cNvPr id="5" name="TextBox 4">
             <a:extLst>
               <a:ext uri="{FF2B5EF4-FFF2-40B4-BE49-F238E27FC236}">
@@ -4017,23 +3912,25 @@
         </p:nvSpPr>
         <p:spPr>
           <a:xfrm>
-            <a:off x="1033509" y="1699084"/>
-            <a:ext cx="3968692" cy="4351338"/>
+            <a:off x="1033509" y="1699083"/>
+            <a:ext cx="3968692" cy="4592659"/>
           </a:xfrm>
         </p:spPr>
         <p:txBody>
-          <a:bodyPr/>
-          <a:lstStyle/>
-          <a:p>
-            <a:r>
-              <a:rPr lang="en-US" dirty="0"/>
-              <a:t>The parameters are used with the PDF/PMF from the probability distribution you want to use to calculate</a:t>
-            </a:r>
-          </a:p>
-          <a:p>
-            <a:r>
-              <a:rPr lang="en-US" dirty="0"/>
-              <a:t>They change the expected value of the distribution and the variation around that value</a:t>
+          <a:bodyPr>
+            <a:normAutofit/>
+          </a:bodyPr>
+          <a:lstStyle/>
+          <a:p>
+            <a:r>
+              <a:rPr lang="en-US" dirty="0"/>
+              <a:t>The parameters are used with the PDF/PMF from the probability distribution to calculate the probability of observing certain values</a:t>
+            </a:r>
+          </a:p>
+          <a:p>
+            <a:r>
+              <a:rPr lang="en-US" dirty="0"/>
+              <a:t>Thus as the parameters of the distribution change, the probability of observing a given value changes with it</a:t>
             </a:r>
           </a:p>
         </p:txBody>
@@ -4950,7 +4847,7 @@
             <a:pPr lvl="2"/>
             <a:r>
               <a:rPr lang="en-US" dirty="0"/>
-              <a:t>That means that the count data we collect are biased (and biased low)</a:t>
+              <a:t>That means that the count data we collect are biased (specifically, biased low)</a:t>
             </a:r>
           </a:p>
           <a:p>
@@ -5492,7 +5389,7 @@
             <a:pPr lvl="2"/>
             <a:r>
               <a:rPr lang="en-US" dirty="0"/>
-              <a:t>You might have noticed that the binomial distribution create count data, the Poisson occurs when n is very high and p is very low</a:t>
+              <a:t>You might have noticed that the binomial distribution can create count data from earlier, the Poisson occurs when n is very high and p is very low</a:t>
             </a:r>
           </a:p>
           <a:p>
@@ -5751,7 +5648,7 @@
         </p:nvSpPr>
         <p:spPr>
           <a:xfrm>
-            <a:off x="1941020" y="1672300"/>
+            <a:off x="1941020" y="1605188"/>
             <a:ext cx="8108051" cy="369332"/>
           </a:xfrm>
           <a:prstGeom prst="rect">
@@ -6110,8 +6007,8 @@
         </p:nvSpPr>
         <p:spPr>
           <a:xfrm>
-            <a:off x="2194373" y="1576017"/>
-            <a:ext cx="8433193" cy="369332"/>
+            <a:off x="2110483" y="1391459"/>
+            <a:ext cx="8433193" cy="646331"/>
           </a:xfrm>
           <a:prstGeom prst="rect">
             <a:avLst/>
@@ -6131,7 +6028,7 @@
           <a:p>
             <a:r>
               <a:rPr lang="en-US" dirty="0"/>
-              <a:t>They can be mixed together to create a new distribution with their combined properties</a:t>
+              <a:t>They can be mixed together to create a new distribution with their combined properties. This is the equivalent of only being able to observe the sum of two variables.</a:t>
             </a:r>
           </a:p>
         </p:txBody>
@@ -7208,7 +7105,7 @@
           <a:p>
             <a:r>
               <a:rPr lang="en-US" dirty="0"/>
-              <a:t>Essentially we create an additional way to create zeroes</a:t>
+              <a:t>Essentially we create an additional way to observe zeroes in the data</a:t>
             </a:r>
           </a:p>
           <a:p>
@@ -8637,7 +8534,7 @@
           <a:p>
             <a:r>
               <a:rPr lang="en-US" dirty="0"/>
-              <a:t>This is used when you truly have more zeroes in your dataset than you thought ecologically possible</a:t>
+              <a:t>This is used when you have more zeroes in your dataset than you thought possible in nature</a:t>
             </a:r>
           </a:p>
           <a:p>
@@ -8894,6 +8791,13 @@
               <a:t>Plot Poisson distributions with the same mean as your data and see if they look remotely similar</a:t>
             </a:r>
           </a:p>
+          <a:p>
+            <a:pPr lvl="1"/>
+            <a:r>
+              <a:rPr lang="en-US" dirty="0"/>
+              <a:t>If they don’t, then try a ZIP, NB, or ZINB and see if that looks any better</a:t>
+            </a:r>
+          </a:p>
         </p:txBody>
       </p:sp>
     </p:spTree>
@@ -8973,7 +8877,7 @@
         <p:spPr/>
         <p:txBody>
           <a:bodyPr>
-            <a:normAutofit fontScale="92500" lnSpcReduction="10000"/>
+            <a:normAutofit fontScale="92500" lnSpcReduction="20000"/>
           </a:bodyPr>
           <a:lstStyle/>
           <a:p>
@@ -8997,7 +8901,7 @@
           <a:p>
             <a:r>
               <a:rPr lang="en-US" dirty="0"/>
-              <a:t>By using the binomial distribution and others to allow for over-dispersion, we can often model ecological data better</a:t>
+              <a:t>By mixing the binomial distribution with count distributions we create a more flexible model that accounts for overdispersion that we often see with bird data</a:t>
             </a:r>
           </a:p>
           <a:p>
@@ -9993,7 +9897,7 @@
           <a:p>
             <a:r>
               <a:rPr lang="en-US" dirty="0"/>
-              <a:t>Supports different ranges of random variables</a:t>
+              <a:t>Supports different ranges of values from variables</a:t>
             </a:r>
           </a:p>
           <a:p>

--- a/lessons/An Introduction to probability distributions.pptx
+++ b/lessons/An Introduction to probability distributions.pptx
@@ -292,7 +292,7 @@
           <a:p>
             <a:fld id="{14178DB6-65FC-4F28-84C6-47493D980159}" type="datetimeFigureOut">
               <a:rPr lang="en-US" smtClean="0"/>
-              <a:t>8/5/2020</a:t>
+              <a:t>8/7/2020</a:t>
             </a:fld>
             <a:endParaRPr lang="en-US"/>
           </a:p>
@@ -490,7 +490,7 @@
           <a:p>
             <a:fld id="{14178DB6-65FC-4F28-84C6-47493D980159}" type="datetimeFigureOut">
               <a:rPr lang="en-US" smtClean="0"/>
-              <a:t>8/5/2020</a:t>
+              <a:t>8/7/2020</a:t>
             </a:fld>
             <a:endParaRPr lang="en-US"/>
           </a:p>
@@ -698,7 +698,7 @@
           <a:p>
             <a:fld id="{14178DB6-65FC-4F28-84C6-47493D980159}" type="datetimeFigureOut">
               <a:rPr lang="en-US" smtClean="0"/>
-              <a:t>8/5/2020</a:t>
+              <a:t>8/7/2020</a:t>
             </a:fld>
             <a:endParaRPr lang="en-US"/>
           </a:p>
@@ -896,7 +896,7 @@
           <a:p>
             <a:fld id="{14178DB6-65FC-4F28-84C6-47493D980159}" type="datetimeFigureOut">
               <a:rPr lang="en-US" smtClean="0"/>
-              <a:t>8/5/2020</a:t>
+              <a:t>8/7/2020</a:t>
             </a:fld>
             <a:endParaRPr lang="en-US"/>
           </a:p>
@@ -1171,7 +1171,7 @@
           <a:p>
             <a:fld id="{14178DB6-65FC-4F28-84C6-47493D980159}" type="datetimeFigureOut">
               <a:rPr lang="en-US" smtClean="0"/>
-              <a:t>8/5/2020</a:t>
+              <a:t>8/7/2020</a:t>
             </a:fld>
             <a:endParaRPr lang="en-US"/>
           </a:p>
@@ -1436,7 +1436,7 @@
           <a:p>
             <a:fld id="{14178DB6-65FC-4F28-84C6-47493D980159}" type="datetimeFigureOut">
               <a:rPr lang="en-US" smtClean="0"/>
-              <a:t>8/5/2020</a:t>
+              <a:t>8/7/2020</a:t>
             </a:fld>
             <a:endParaRPr lang="en-US"/>
           </a:p>
@@ -1848,7 +1848,7 @@
           <a:p>
             <a:fld id="{14178DB6-65FC-4F28-84C6-47493D980159}" type="datetimeFigureOut">
               <a:rPr lang="en-US" smtClean="0"/>
-              <a:t>8/5/2020</a:t>
+              <a:t>8/7/2020</a:t>
             </a:fld>
             <a:endParaRPr lang="en-US"/>
           </a:p>
@@ -1989,7 +1989,7 @@
           <a:p>
             <a:fld id="{14178DB6-65FC-4F28-84C6-47493D980159}" type="datetimeFigureOut">
               <a:rPr lang="en-US" smtClean="0"/>
-              <a:t>8/5/2020</a:t>
+              <a:t>8/7/2020</a:t>
             </a:fld>
             <a:endParaRPr lang="en-US"/>
           </a:p>
@@ -2102,7 +2102,7 @@
           <a:p>
             <a:fld id="{14178DB6-65FC-4F28-84C6-47493D980159}" type="datetimeFigureOut">
               <a:rPr lang="en-US" smtClean="0"/>
-              <a:t>8/5/2020</a:t>
+              <a:t>8/7/2020</a:t>
             </a:fld>
             <a:endParaRPr lang="en-US"/>
           </a:p>
@@ -2413,7 +2413,7 @@
           <a:p>
             <a:fld id="{14178DB6-65FC-4F28-84C6-47493D980159}" type="datetimeFigureOut">
               <a:rPr lang="en-US" smtClean="0"/>
-              <a:t>8/5/2020</a:t>
+              <a:t>8/7/2020</a:t>
             </a:fld>
             <a:endParaRPr lang="en-US"/>
           </a:p>
@@ -2701,7 +2701,7 @@
           <a:p>
             <a:fld id="{14178DB6-65FC-4F28-84C6-47493D980159}" type="datetimeFigureOut">
               <a:rPr lang="en-US" smtClean="0"/>
-              <a:t>8/5/2020</a:t>
+              <a:t>8/7/2020</a:t>
             </a:fld>
             <a:endParaRPr lang="en-US"/>
           </a:p>
@@ -2942,7 +2942,7 @@
           <a:p>
             <a:fld id="{14178DB6-65FC-4F28-84C6-47493D980159}" type="datetimeFigureOut">
               <a:rPr lang="en-US" smtClean="0"/>
-              <a:t>8/5/2020</a:t>
+              <a:t>8/7/2020</a:t>
             </a:fld>
             <a:endParaRPr lang="en-US"/>
           </a:p>
@@ -3428,7 +3428,7 @@
           <a:p>
             <a:r>
               <a:rPr lang="en-US" dirty="0"/>
-              <a:t>8/11/2020</a:t>
+              <a:t>8/10/2020</a:t>
             </a:r>
           </a:p>
         </p:txBody>
